--- a/design/swift-architecture.pptx
+++ b/design/swift-architecture.pptx
@@ -6,8 +6,10 @@
   </p:sldMasterIdLst>
   <p:sldIdLst>
     <p:sldId id="256" r:id="rId2"/>
-    <p:sldId id="257" r:id="rId3"/>
-    <p:sldId id="258" r:id="rId4"/>
+    <p:sldId id="259" r:id="rId3"/>
+    <p:sldId id="260" r:id="rId4"/>
+    <p:sldId id="257" r:id="rId5"/>
+    <p:sldId id="258" r:id="rId6"/>
   </p:sldIdLst>
   <p:sldSz cx="12192000" cy="6858000"/>
   <p:notesSz cx="6858000" cy="9144000"/>
@@ -240,7 +242,7 @@
           <a:p>
             <a:fld id="{33A90979-067C-4ECB-9894-E953B4F8A6A6}" type="datetimeFigureOut">
               <a:rPr lang="en-US" smtClean="0"/>
-              <a:t>11/25/2013</a:t>
+              <a:t>12/9/13</a:t>
             </a:fld>
             <a:endParaRPr lang="en-US"/>
           </a:p>
@@ -410,7 +412,7 @@
           <a:p>
             <a:fld id="{33A90979-067C-4ECB-9894-E953B4F8A6A6}" type="datetimeFigureOut">
               <a:rPr lang="en-US" smtClean="0"/>
-              <a:t>11/25/2013</a:t>
+              <a:t>12/9/13</a:t>
             </a:fld>
             <a:endParaRPr lang="en-US"/>
           </a:p>
@@ -590,7 +592,7 @@
           <a:p>
             <a:fld id="{33A90979-067C-4ECB-9894-E953B4F8A6A6}" type="datetimeFigureOut">
               <a:rPr lang="en-US" smtClean="0"/>
-              <a:t>11/25/2013</a:t>
+              <a:t>12/9/13</a:t>
             </a:fld>
             <a:endParaRPr lang="en-US"/>
           </a:p>
@@ -760,7 +762,7 @@
           <a:p>
             <a:fld id="{33A90979-067C-4ECB-9894-E953B4F8A6A6}" type="datetimeFigureOut">
               <a:rPr lang="en-US" smtClean="0"/>
-              <a:t>11/25/2013</a:t>
+              <a:t>12/9/13</a:t>
             </a:fld>
             <a:endParaRPr lang="en-US"/>
           </a:p>
@@ -1006,7 +1008,7 @@
           <a:p>
             <a:fld id="{33A90979-067C-4ECB-9894-E953B4F8A6A6}" type="datetimeFigureOut">
               <a:rPr lang="en-US" smtClean="0"/>
-              <a:t>11/25/2013</a:t>
+              <a:t>12/9/13</a:t>
             </a:fld>
             <a:endParaRPr lang="en-US"/>
           </a:p>
@@ -1238,7 +1240,7 @@
           <a:p>
             <a:fld id="{33A90979-067C-4ECB-9894-E953B4F8A6A6}" type="datetimeFigureOut">
               <a:rPr lang="en-US" smtClean="0"/>
-              <a:t>11/25/2013</a:t>
+              <a:t>12/9/13</a:t>
             </a:fld>
             <a:endParaRPr lang="en-US"/>
           </a:p>
@@ -1605,7 +1607,7 @@
           <a:p>
             <a:fld id="{33A90979-067C-4ECB-9894-E953B4F8A6A6}" type="datetimeFigureOut">
               <a:rPr lang="en-US" smtClean="0"/>
-              <a:t>11/25/2013</a:t>
+              <a:t>12/9/13</a:t>
             </a:fld>
             <a:endParaRPr lang="en-US"/>
           </a:p>
@@ -1723,7 +1725,7 @@
           <a:p>
             <a:fld id="{33A90979-067C-4ECB-9894-E953B4F8A6A6}" type="datetimeFigureOut">
               <a:rPr lang="en-US" smtClean="0"/>
-              <a:t>11/25/2013</a:t>
+              <a:t>12/9/13</a:t>
             </a:fld>
             <a:endParaRPr lang="en-US"/>
           </a:p>
@@ -1818,7 +1820,7 @@
           <a:p>
             <a:fld id="{33A90979-067C-4ECB-9894-E953B4F8A6A6}" type="datetimeFigureOut">
               <a:rPr lang="en-US" smtClean="0"/>
-              <a:t>11/25/2013</a:t>
+              <a:t>12/9/13</a:t>
             </a:fld>
             <a:endParaRPr lang="en-US"/>
           </a:p>
@@ -2095,7 +2097,7 @@
           <a:p>
             <a:fld id="{33A90979-067C-4ECB-9894-E953B4F8A6A6}" type="datetimeFigureOut">
               <a:rPr lang="en-US" smtClean="0"/>
-              <a:t>11/25/2013</a:t>
+              <a:t>12/9/13</a:t>
             </a:fld>
             <a:endParaRPr lang="en-US"/>
           </a:p>
@@ -2348,7 +2350,7 @@
           <a:p>
             <a:fld id="{33A90979-067C-4ECB-9894-E953B4F8A6A6}" type="datetimeFigureOut">
               <a:rPr lang="en-US" smtClean="0"/>
-              <a:t>11/25/2013</a:t>
+              <a:t>12/9/13</a:t>
             </a:fld>
             <a:endParaRPr lang="en-US"/>
           </a:p>
@@ -2561,7 +2563,7 @@
           <a:p>
             <a:fld id="{33A90979-067C-4ECB-9894-E953B4F8A6A6}" type="datetimeFigureOut">
               <a:rPr lang="en-US" smtClean="0"/>
-              <a:t>11/25/2013</a:t>
+              <a:t>12/9/13</a:t>
             </a:fld>
             <a:endParaRPr lang="en-US"/>
           </a:p>
@@ -4134,6 +4136,424 @@
       </p:grpSpPr>
       <p:sp>
         <p:nvSpPr>
+          <p:cNvPr id="2" name="Title 1"/>
+          <p:cNvSpPr>
+            <a:spLocks noGrp="1"/>
+          </p:cNvSpPr>
+          <p:nvPr>
+            <p:ph type="title"/>
+          </p:nvPr>
+        </p:nvSpPr>
+        <p:spPr/>
+        <p:txBody>
+          <a:bodyPr/>
+          <a:lstStyle/>
+          <a:p>
+            <a:r>
+              <a:rPr lang="en-US" dirty="0" smtClean="0"/>
+              <a:t>Three layers of representations</a:t>
+            </a:r>
+            <a:endParaRPr lang="en-US" dirty="0"/>
+          </a:p>
+        </p:txBody>
+      </p:sp>
+      <p:sp>
+        <p:nvSpPr>
+          <p:cNvPr id="3" name="Content Placeholder 2"/>
+          <p:cNvSpPr>
+            <a:spLocks noGrp="1"/>
+          </p:cNvSpPr>
+          <p:nvPr>
+            <p:ph idx="1"/>
+          </p:nvPr>
+        </p:nvSpPr>
+        <p:spPr/>
+        <p:txBody>
+          <a:bodyPr>
+            <a:normAutofit fontScale="92500" lnSpcReduction="20000"/>
+          </a:bodyPr>
+          <a:lstStyle/>
+          <a:p>
+            <a:r>
+              <a:rPr lang="en-US" dirty="0" err="1" smtClean="0"/>
+              <a:t>Absy</a:t>
+            </a:r>
+            <a:r>
+              <a:rPr lang="en-US" dirty="0" err="1"/>
+              <a:t>n</a:t>
+            </a:r>
+            <a:r>
+              <a:rPr lang="en-US" dirty="0" smtClean="0"/>
+              <a:t>:</a:t>
+            </a:r>
+          </a:p>
+          <a:p>
+            <a:pPr lvl="1"/>
+            <a:r>
+              <a:rPr lang="en-US" dirty="0" smtClean="0"/>
+              <a:t>Declarative</a:t>
+            </a:r>
+          </a:p>
+          <a:p>
+            <a:pPr lvl="1"/>
+            <a:r>
+              <a:rPr lang="en-US" dirty="0" smtClean="0"/>
+              <a:t>syntax tree of BLOG</a:t>
+            </a:r>
+          </a:p>
+          <a:p>
+            <a:pPr lvl="1"/>
+            <a:r>
+              <a:rPr lang="en-US" dirty="0" smtClean="0"/>
+              <a:t>no reference resolution yet</a:t>
+            </a:r>
+          </a:p>
+          <a:p>
+            <a:pPr lvl="1"/>
+            <a:r>
+              <a:rPr lang="en-US" dirty="0" smtClean="0"/>
+              <a:t>no guarantee of semantic correctness, can represent a richer class of models than the semantic correct ones.</a:t>
+            </a:r>
+          </a:p>
+          <a:p>
+            <a:r>
+              <a:rPr lang="en-US" dirty="0" smtClean="0"/>
+              <a:t>IR:</a:t>
+            </a:r>
+          </a:p>
+          <a:p>
+            <a:pPr lvl="1"/>
+            <a:r>
+              <a:rPr lang="en-US" dirty="0" smtClean="0"/>
+              <a:t>declarative</a:t>
+            </a:r>
+          </a:p>
+          <a:p>
+            <a:pPr lvl="1"/>
+            <a:r>
+              <a:rPr lang="en-US" dirty="0" smtClean="0"/>
+              <a:t>all reference resolved, including references to distributions</a:t>
+            </a:r>
+          </a:p>
+          <a:p>
+            <a:pPr lvl="1"/>
+            <a:r>
+              <a:rPr lang="en-US" dirty="0" smtClean="0"/>
+              <a:t>typed checked for all function</a:t>
+            </a:r>
+          </a:p>
+          <a:p>
+            <a:pPr lvl="1"/>
+            <a:r>
+              <a:rPr lang="en-US" dirty="0" smtClean="0"/>
+              <a:t>declared typed </a:t>
+            </a:r>
+            <a:r>
+              <a:rPr lang="en-US" dirty="0" smtClean="0">
+                <a:sym typeface="Wingdings"/>
+              </a:rPr>
+              <a:t> internal maintained type domain, type domain contains distinct symbols, and number statements for that type, and origin field</a:t>
+            </a:r>
+          </a:p>
+          <a:p>
+            <a:pPr lvl="1"/>
+            <a:r>
+              <a:rPr lang="en-US" dirty="0" err="1" smtClean="0">
+                <a:sym typeface="Wingdings"/>
+              </a:rPr>
+              <a:t>functory</a:t>
+            </a:r>
+            <a:r>
+              <a:rPr lang="en-US" dirty="0" smtClean="0">
+                <a:sym typeface="Wingdings"/>
+              </a:rPr>
+              <a:t> maintains signature of functions</a:t>
+            </a:r>
+          </a:p>
+          <a:p>
+            <a:pPr lvl="1"/>
+            <a:r>
+              <a:rPr lang="en-US" dirty="0" smtClean="0">
+                <a:sym typeface="Wingdings"/>
+              </a:rPr>
+              <a:t>dependency body </a:t>
+            </a:r>
+            <a:r>
+              <a:rPr lang="en-US" dirty="0" err="1" smtClean="0">
+                <a:sym typeface="Wingdings"/>
+              </a:rPr>
+              <a:t>desugar</a:t>
+            </a:r>
+            <a:r>
+              <a:rPr lang="en-US" dirty="0" smtClean="0">
+                <a:sym typeface="Wingdings"/>
+              </a:rPr>
+              <a:t>, </a:t>
+            </a:r>
+            <a:r>
+              <a:rPr lang="en-US" dirty="0" err="1" smtClean="0">
+                <a:sym typeface="Wingdings"/>
+              </a:rPr>
+              <a:t>TabularCPD</a:t>
+            </a:r>
+            <a:r>
+              <a:rPr lang="en-US" dirty="0" smtClean="0">
+                <a:sym typeface="Wingdings"/>
+              </a:rPr>
+              <a:t>  Branch</a:t>
+            </a:r>
+          </a:p>
+          <a:p>
+            <a:pPr lvl="1"/>
+            <a:endParaRPr lang="en-US" dirty="0" smtClean="0">
+              <a:sym typeface="Wingdings"/>
+            </a:endParaRPr>
+          </a:p>
+          <a:p>
+            <a:pPr lvl="1"/>
+            <a:endParaRPr lang="en-US" dirty="0"/>
+          </a:p>
+        </p:txBody>
+      </p:sp>
+    </p:spTree>
+    <p:extLst>
+      <p:ext uri="{BB962C8B-B14F-4D97-AF65-F5344CB8AC3E}">
+        <p14:creationId xmlns:p14="http://schemas.microsoft.com/office/powerpoint/2010/main" val="1167060182"/>
+      </p:ext>
+    </p:extLst>
+  </p:cSld>
+  <p:clrMapOvr>
+    <a:masterClrMapping/>
+  </p:clrMapOvr>
+</p:sld>
+</file>
+
+<file path=ppt/slides/slide3.xml><?xml version="1.0" encoding="utf-8"?>
+<p:sld xmlns:a="http://schemas.openxmlformats.org/drawingml/2006/main" xmlns:r="http://schemas.openxmlformats.org/officeDocument/2006/relationships" xmlns:p="http://schemas.openxmlformats.org/presentationml/2006/main">
+  <p:cSld>
+    <p:spTree>
+      <p:nvGrpSpPr>
+        <p:cNvPr id="1" name=""/>
+        <p:cNvGrpSpPr/>
+        <p:nvPr/>
+      </p:nvGrpSpPr>
+      <p:grpSpPr>
+        <a:xfrm>
+          <a:off x="0" y="0"/>
+          <a:ext cx="0" cy="0"/>
+          <a:chOff x="0" y="0"/>
+          <a:chExt cx="0" cy="0"/>
+        </a:xfrm>
+      </p:grpSpPr>
+      <p:sp>
+        <p:nvSpPr>
+          <p:cNvPr id="2" name="Title 1"/>
+          <p:cNvSpPr>
+            <a:spLocks noGrp="1"/>
+          </p:cNvSpPr>
+          <p:nvPr>
+            <p:ph type="title"/>
+          </p:nvPr>
+        </p:nvSpPr>
+        <p:spPr/>
+        <p:txBody>
+          <a:bodyPr/>
+          <a:lstStyle/>
+          <a:p>
+            <a:r>
+              <a:rPr lang="en-US" dirty="0" smtClean="0"/>
+              <a:t>Abstract target code representation</a:t>
+            </a:r>
+            <a:endParaRPr lang="en-US" dirty="0"/>
+          </a:p>
+        </p:txBody>
+      </p:sp>
+      <p:sp>
+        <p:nvSpPr>
+          <p:cNvPr id="3" name="Content Placeholder 2"/>
+          <p:cNvSpPr>
+            <a:spLocks noGrp="1"/>
+          </p:cNvSpPr>
+          <p:nvPr>
+            <p:ph idx="1"/>
+          </p:nvPr>
+        </p:nvSpPr>
+        <p:spPr/>
+        <p:txBody>
+          <a:bodyPr/>
+          <a:lstStyle/>
+          <a:p>
+            <a:r>
+              <a:rPr lang="en-US" dirty="0" smtClean="0"/>
+              <a:t>Code:</a:t>
+            </a:r>
+          </a:p>
+          <a:p>
+            <a:pPr lvl="1"/>
+            <a:r>
+              <a:rPr lang="en-US" dirty="0" smtClean="0"/>
+              <a:t>syntax representation of imperative target code</a:t>
+            </a:r>
+          </a:p>
+          <a:p>
+            <a:pPr lvl="1"/>
+            <a:r>
+              <a:rPr lang="en-US" dirty="0" smtClean="0"/>
+              <a:t>type domain </a:t>
+            </a:r>
+            <a:r>
+              <a:rPr lang="en-US" dirty="0" smtClean="0">
+                <a:sym typeface="Wingdings"/>
+              </a:rPr>
+              <a:t> class, origin  field, distinct symbols  integer index</a:t>
+            </a:r>
+          </a:p>
+          <a:p>
+            <a:pPr lvl="1"/>
+            <a:r>
+              <a:rPr lang="en-US" dirty="0" smtClean="0">
+                <a:sym typeface="Wingdings"/>
+              </a:rPr>
+              <a:t>one array for each class</a:t>
+            </a:r>
+          </a:p>
+          <a:p>
+            <a:pPr lvl="1"/>
+            <a:r>
+              <a:rPr lang="en-US" dirty="0" smtClean="0">
+                <a:sym typeface="Wingdings"/>
+              </a:rPr>
+              <a:t>one </a:t>
+            </a:r>
+            <a:r>
+              <a:rPr lang="en-US" dirty="0" err="1" smtClean="0">
+                <a:sym typeface="Wingdings"/>
+              </a:rPr>
+              <a:t>int</a:t>
+            </a:r>
+            <a:r>
+              <a:rPr lang="en-US" dirty="0" smtClean="0">
+                <a:sym typeface="Wingdings"/>
+              </a:rPr>
+              <a:t> array for each function</a:t>
+            </a:r>
+          </a:p>
+          <a:p>
+            <a:pPr lvl="2"/>
+            <a:r>
+              <a:rPr lang="en-US" dirty="0" smtClean="0">
+                <a:sym typeface="Wingdings"/>
+              </a:rPr>
+              <a:t>use </a:t>
+            </a:r>
+            <a:r>
+              <a:rPr lang="en-US" dirty="0" err="1" smtClean="0">
+                <a:sym typeface="Wingdings"/>
+              </a:rPr>
+              <a:t>int</a:t>
+            </a:r>
+            <a:r>
+              <a:rPr lang="en-US" dirty="0" smtClean="0">
+                <a:sym typeface="Wingdings"/>
+              </a:rPr>
+              <a:t> index to refer to function with given argument</a:t>
+            </a:r>
+          </a:p>
+          <a:p>
+            <a:pPr lvl="1"/>
+            <a:r>
+              <a:rPr lang="en-US" dirty="0" smtClean="0">
+                <a:sym typeface="Wingdings"/>
+              </a:rPr>
+              <a:t>One </a:t>
+            </a:r>
+            <a:r>
+              <a:rPr lang="en-US" dirty="0" err="1" smtClean="0">
+                <a:sym typeface="Wingdings"/>
+              </a:rPr>
+              <a:t>int</a:t>
+            </a:r>
+            <a:r>
+              <a:rPr lang="en-US" dirty="0" smtClean="0">
+                <a:sym typeface="Wingdings"/>
+              </a:rPr>
+              <a:t> array for sample tag</a:t>
+            </a:r>
+          </a:p>
+          <a:p>
+            <a:pPr lvl="2"/>
+            <a:r>
+              <a:rPr lang="en-US" dirty="0" smtClean="0">
+                <a:sym typeface="Wingdings"/>
+              </a:rPr>
+              <a:t>currently used to identify the possible world number</a:t>
+            </a:r>
+          </a:p>
+          <a:p>
+            <a:pPr lvl="1"/>
+            <a:r>
+              <a:rPr lang="en-US" dirty="0" smtClean="0">
+                <a:sym typeface="Wingdings"/>
+              </a:rPr>
+              <a:t>for each dependency statement</a:t>
+            </a:r>
+          </a:p>
+          <a:p>
+            <a:pPr lvl="2"/>
+            <a:r>
+              <a:rPr lang="en-US" dirty="0" smtClean="0">
+                <a:sym typeface="Wingdings"/>
+              </a:rPr>
+              <a:t> one function in target code to generate samples</a:t>
+            </a:r>
+          </a:p>
+          <a:p>
+            <a:pPr lvl="2"/>
+            <a:r>
+              <a:rPr lang="en-US" dirty="0" smtClean="0">
+                <a:sym typeface="Wingdings"/>
+              </a:rPr>
+              <a:t> one function in target code to calculate likelihood</a:t>
+            </a:r>
+          </a:p>
+          <a:p>
+            <a:pPr lvl="1"/>
+            <a:endParaRPr lang="en-US" dirty="0"/>
+          </a:p>
+        </p:txBody>
+      </p:sp>
+    </p:spTree>
+    <p:extLst>
+      <p:ext uri="{BB962C8B-B14F-4D97-AF65-F5344CB8AC3E}">
+        <p14:creationId xmlns:p14="http://schemas.microsoft.com/office/powerpoint/2010/main" val="888797824"/>
+      </p:ext>
+    </p:extLst>
+  </p:cSld>
+  <p:clrMapOvr>
+    <a:masterClrMapping/>
+  </p:clrMapOvr>
+</p:sld>
+</file>
+
+<file path=ppt/slides/slide4.xml><?xml version="1.0" encoding="utf-8"?>
+<p:sld xmlns:a="http://schemas.openxmlformats.org/drawingml/2006/main" xmlns:r="http://schemas.openxmlformats.org/officeDocument/2006/relationships" xmlns:p="http://schemas.openxmlformats.org/presentationml/2006/main">
+  <p:cSld>
+    <p:spTree>
+      <p:nvGrpSpPr>
+        <p:cNvPr id="1" name=""/>
+        <p:cNvGrpSpPr/>
+        <p:nvPr/>
+      </p:nvGrpSpPr>
+      <p:grpSpPr>
+        <a:xfrm>
+          <a:off x="0" y="0"/>
+          <a:ext cx="0" cy="0"/>
+          <a:chOff x="0" y="0"/>
+          <a:chExt cx="0" cy="0"/>
+        </a:xfrm>
+      </p:grpSpPr>
+      <p:sp>
+        <p:nvSpPr>
           <p:cNvPr id="5" name="Rounded Rectangle 4"/>
           <p:cNvSpPr/>
           <p:nvPr/>
@@ -5465,7 +5885,7 @@
 </p:sld>
 </file>
 
-<file path=ppt/slides/slide3.xml><?xml version="1.0" encoding="utf-8"?>
+<file path=ppt/slides/slide5.xml><?xml version="1.0" encoding="utf-8"?>
 <p:sld xmlns:a="http://schemas.openxmlformats.org/drawingml/2006/main" xmlns:r="http://schemas.openxmlformats.org/officeDocument/2006/relationships" xmlns:p="http://schemas.openxmlformats.org/presentationml/2006/main">
   <p:cSld>
     <p:spTree>
@@ -5698,7 +6118,7 @@
     </a:clrScheme>
     <a:fontScheme name="Office">
       <a:majorFont>
-        <a:latin typeface="Calibri Light" panose="020F0302020204030204"/>
+        <a:latin typeface="Calibri Light"/>
         <a:ea typeface=""/>
         <a:cs typeface=""/>
         <a:font script="Jpan" typeface="ＭＳ Ｐゴシック"/>
@@ -5733,7 +6153,7 @@
         <a:font script="Geor" typeface="Sylfaen"/>
       </a:majorFont>
       <a:minorFont>
-        <a:latin typeface="Calibri" panose="020F0502020204030204"/>
+        <a:latin typeface="Calibri"/>
         <a:ea typeface=""/>
         <a:cs typeface=""/>
         <a:font script="Jpan" typeface="ＭＳ Ｐゴシック"/>
@@ -5939,7 +6359,7 @@
   <a:extraClrSchemeLst/>
   <a:extLst>
     <a:ext uri="{05A4C25C-085E-4340-85A3-A5531E510DB2}">
-      <thm15:themeFamily xmlns:thm15="http://schemas.microsoft.com/office/thememl/2012/main" name="Office Theme" id="{62F939B6-93AF-4DB8-9C6B-D6C7DFDC589F}" vid="{4A3C46E8-61CC-4603-A589-7422A47A8E4A}"/>
+      <thm15:themeFamily xmlns:thm15="http://schemas.microsoft.com/office/thememl/2012/main" xmlns="" name="Office Theme" id="{62F939B6-93AF-4DB8-9C6B-D6C7DFDC589F}" vid="{4A3C46E8-61CC-4603-A589-7422A47A8E4A}"/>
     </a:ext>
   </a:extLst>
 </a:theme>
